--- a/PPT/DeepLearning21-MLOps.pptx
+++ b/PPT/DeepLearning21-MLOps.pptx
@@ -5,15 +5,16 @@
     <p:sldMasterId id="2147483653" r:id="rId1"/>
   </p:sldMasterIdLst>
   <p:notesMasterIdLst>
-    <p:notesMasterId r:id="rId5"/>
+    <p:notesMasterId r:id="rId6"/>
   </p:notesMasterIdLst>
   <p:handoutMasterIdLst>
-    <p:handoutMasterId r:id="rId6"/>
+    <p:handoutMasterId r:id="rId7"/>
   </p:handoutMasterIdLst>
   <p:sldIdLst>
     <p:sldId id="264" r:id="rId2"/>
     <p:sldId id="287" r:id="rId3"/>
     <p:sldId id="288" r:id="rId4"/>
+    <p:sldId id="289" r:id="rId5"/>
   </p:sldIdLst>
   <p:sldSz cx="9144000" cy="6858000" type="screen4x3"/>
   <p:notesSz cx="6648450" cy="9782175"/>
@@ -3976,6 +3977,92 @@
     <p:extLst>
       <p:ext uri="{BB962C8B-B14F-4D97-AF65-F5344CB8AC3E}">
         <p14:creationId xmlns:p14="http://schemas.microsoft.com/office/powerpoint/2010/main" val="2533605187"/>
+      </p:ext>
+    </p:extLst>
+  </p:cSld>
+  <p:clrMapOvr>
+    <a:masterClrMapping/>
+  </p:clrMapOvr>
+</p:sld>
+</file>
+
+<file path=ppt/slides/slide4.xml><?xml version="1.0" encoding="utf-8"?>
+<p:sld xmlns:a="http://schemas.openxmlformats.org/drawingml/2006/main" xmlns:r="http://schemas.openxmlformats.org/officeDocument/2006/relationships" xmlns:p="http://schemas.openxmlformats.org/presentationml/2006/main">
+  <p:cSld>
+    <p:spTree>
+      <p:nvGrpSpPr>
+        <p:cNvPr id="1" name=""/>
+        <p:cNvGrpSpPr/>
+        <p:nvPr/>
+      </p:nvGrpSpPr>
+      <p:grpSpPr>
+        <a:xfrm>
+          <a:off x="0" y="0"/>
+          <a:ext cx="0" cy="0"/>
+          <a:chOff x="0" y="0"/>
+          <a:chExt cx="0" cy="0"/>
+        </a:xfrm>
+      </p:grpSpPr>
+      <p:sp>
+        <p:nvSpPr>
+          <p:cNvPr id="2" name="Titre 1">
+            <a:extLst>
+              <a:ext uri="{FF2B5EF4-FFF2-40B4-BE49-F238E27FC236}">
+                <a16:creationId xmlns:a16="http://schemas.microsoft.com/office/drawing/2014/main" id="{7123229D-6DB3-0EBF-20C6-22D0C6158E1A}"/>
+              </a:ext>
+            </a:extLst>
+          </p:cNvPr>
+          <p:cNvSpPr>
+            <a:spLocks noGrp="1"/>
+          </p:cNvSpPr>
+          <p:nvPr>
+            <p:ph type="title"/>
+          </p:nvPr>
+        </p:nvSpPr>
+        <p:spPr/>
+        <p:txBody>
+          <a:bodyPr/>
+          <a:lstStyle/>
+          <a:p>
+            <a:r>
+              <a:rPr lang="fr-FR" dirty="0"/>
+              <a:t>Raspberry</a:t>
+            </a:r>
+          </a:p>
+        </p:txBody>
+      </p:sp>
+      <p:sp>
+        <p:nvSpPr>
+          <p:cNvPr id="3" name="Espace réservé du contenu 2">
+            <a:extLst>
+              <a:ext uri="{FF2B5EF4-FFF2-40B4-BE49-F238E27FC236}">
+                <a16:creationId xmlns:a16="http://schemas.microsoft.com/office/drawing/2014/main" id="{89C29765-9344-CFE9-B74F-E6430259F2B3}"/>
+              </a:ext>
+            </a:extLst>
+          </p:cNvPr>
+          <p:cNvSpPr>
+            <a:spLocks noGrp="1"/>
+          </p:cNvSpPr>
+          <p:nvPr>
+            <p:ph idx="1"/>
+          </p:nvPr>
+        </p:nvSpPr>
+        <p:spPr/>
+        <p:txBody>
+          <a:bodyPr/>
+          <a:lstStyle/>
+          <a:p>
+            <a:r>
+              <a:rPr lang="fr-FR" dirty="0"/>
+              <a:t>https://github.com/Qengineering/TensorFlow-Raspberry-Pi_64-bit</a:t>
+            </a:r>
+          </a:p>
+        </p:txBody>
+      </p:sp>
+    </p:spTree>
+    <p:extLst>
+      <p:ext uri="{BB962C8B-B14F-4D97-AF65-F5344CB8AC3E}">
+        <p14:creationId xmlns:p14="http://schemas.microsoft.com/office/powerpoint/2010/main" val="856716719"/>
       </p:ext>
     </p:extLst>
   </p:cSld>
